--- a/static/uploads/slides/ppt/Speculating Preferred Futures.pptx
+++ b/static/uploads/slides/ppt/Speculating Preferred Futures.pptx
@@ -2184,7 +2184,7 @@
           </a:ln>
           <a:extLst>
             <a:ext uri="{C572A759-6A51-4108-AA02-DFA0A04FC94B}">
-              <ma14:wrappingTextBoxFlag xmlns:ma14="http://schemas.microsoft.com/office/mac/drawingml/2011/main" xmlns="" val="1"/>
+              <ma14:wrappingTextBoxFlag xmlns="" xmlns:ma14="http://schemas.microsoft.com/office/mac/drawingml/2011/main" val="1"/>
             </a:ext>
           </a:extLst>
         </p:spPr>
@@ -2223,7 +2223,7 @@
           </a:ln>
           <a:extLst>
             <a:ext uri="{C572A759-6A51-4108-AA02-DFA0A04FC94B}">
-              <ma14:wrappingTextBoxFlag xmlns:ma14="http://schemas.microsoft.com/office/mac/drawingml/2011/main" xmlns="" val="1"/>
+              <ma14:wrappingTextBoxFlag xmlns="" xmlns:ma14="http://schemas.microsoft.com/office/mac/drawingml/2011/main" val="1"/>
             </a:ext>
           </a:extLst>
         </p:spPr>
@@ -3205,7 +3205,7 @@
             </a:ln>
             <a:extLst>
               <a:ext uri="{C572A759-6A51-4108-AA02-DFA0A04FC94B}">
-                <ma14:wrappingTextBoxFlag xmlns:ma14="http://schemas.microsoft.com/office/mac/drawingml/2011/main" xmlns="" val="1"/>
+                <ma14:wrappingTextBoxFlag xmlns="" xmlns:ma14="http://schemas.microsoft.com/office/mac/drawingml/2011/main" val="1"/>
               </a:ext>
             </a:extLst>
           </p:spPr>
@@ -3344,7 +3344,7 @@
             </a:ln>
             <a:extLst>
               <a:ext uri="{C572A759-6A51-4108-AA02-DFA0A04FC94B}">
-                <ma14:wrappingTextBoxFlag xmlns:ma14="http://schemas.microsoft.com/office/mac/drawingml/2011/main" xmlns="" val="1"/>
+                <ma14:wrappingTextBoxFlag xmlns="" xmlns:ma14="http://schemas.microsoft.com/office/mac/drawingml/2011/main" val="1"/>
               </a:ext>
             </a:extLst>
           </p:spPr>
@@ -3391,7 +3391,7 @@
             </a:ln>
             <a:extLst>
               <a:ext uri="{C572A759-6A51-4108-AA02-DFA0A04FC94B}">
-                <ma14:wrappingTextBoxFlag xmlns:ma14="http://schemas.microsoft.com/office/mac/drawingml/2011/main" xmlns="" val="1"/>
+                <ma14:wrappingTextBoxFlag xmlns="" xmlns:ma14="http://schemas.microsoft.com/office/mac/drawingml/2011/main" val="1"/>
               </a:ext>
             </a:extLst>
           </p:spPr>
@@ -3569,7 +3569,7 @@
             </a:ln>
             <a:extLst>
               <a:ext uri="{C572A759-6A51-4108-AA02-DFA0A04FC94B}">
-                <ma14:wrappingTextBoxFlag xmlns:ma14="http://schemas.microsoft.com/office/mac/drawingml/2011/main" xmlns="" val="1"/>
+                <ma14:wrappingTextBoxFlag xmlns="" xmlns:ma14="http://schemas.microsoft.com/office/mac/drawingml/2011/main" val="1"/>
               </a:ext>
             </a:extLst>
           </p:spPr>
@@ -3706,7 +3706,7 @@
           </a:ln>
           <a:extLst>
             <a:ext uri="{C572A759-6A51-4108-AA02-DFA0A04FC94B}">
-              <ma14:wrappingTextBoxFlag xmlns:ma14="http://schemas.microsoft.com/office/mac/drawingml/2011/main" xmlns="" val="1"/>
+              <ma14:wrappingTextBoxFlag xmlns="" xmlns:ma14="http://schemas.microsoft.com/office/mac/drawingml/2011/main" val="1"/>
             </a:ext>
           </a:extLst>
         </p:spPr>
@@ -3909,7 +3909,7 @@
           </a:ln>
           <a:extLst>
             <a:ext uri="{C572A759-6A51-4108-AA02-DFA0A04FC94B}">
-              <ma14:wrappingTextBoxFlag xmlns:ma14="http://schemas.microsoft.com/office/mac/drawingml/2011/main" xmlns="" val="1"/>
+              <ma14:wrappingTextBoxFlag xmlns="" xmlns:ma14="http://schemas.microsoft.com/office/mac/drawingml/2011/main" val="1"/>
             </a:ext>
           </a:extLst>
         </p:spPr>
@@ -4128,7 +4128,7 @@
             </a:ln>
             <a:extLst>
               <a:ext uri="{C572A759-6A51-4108-AA02-DFA0A04FC94B}">
-                <ma14:wrappingTextBoxFlag xmlns:ma14="http://schemas.microsoft.com/office/mac/drawingml/2011/main" xmlns="" val="1"/>
+                <ma14:wrappingTextBoxFlag xmlns="" xmlns:ma14="http://schemas.microsoft.com/office/mac/drawingml/2011/main" val="1"/>
               </a:ext>
             </a:extLst>
           </p:spPr>
@@ -4183,7 +4183,7 @@
             </a:ln>
             <a:extLst>
               <a:ext uri="{C572A759-6A51-4108-AA02-DFA0A04FC94B}">
-                <ma14:wrappingTextBoxFlag xmlns:ma14="http://schemas.microsoft.com/office/mac/drawingml/2011/main" xmlns="" val="1"/>
+                <ma14:wrappingTextBoxFlag xmlns="" xmlns:ma14="http://schemas.microsoft.com/office/mac/drawingml/2011/main" val="1"/>
               </a:ext>
             </a:extLst>
           </p:spPr>
@@ -4238,7 +4238,7 @@
           </a:ln>
           <a:extLst>
             <a:ext uri="{C572A759-6A51-4108-AA02-DFA0A04FC94B}">
-              <ma14:wrappingTextBoxFlag xmlns:ma14="http://schemas.microsoft.com/office/mac/drawingml/2011/main" xmlns="" val="1"/>
+              <ma14:wrappingTextBoxFlag xmlns="" xmlns:ma14="http://schemas.microsoft.com/office/mac/drawingml/2011/main" val="1"/>
             </a:ext>
           </a:extLst>
         </p:spPr>
@@ -4413,7 +4413,7 @@
           </a:ln>
           <a:extLst>
             <a:ext uri="{C572A759-6A51-4108-AA02-DFA0A04FC94B}">
-              <ma14:wrappingTextBoxFlag xmlns:ma14="http://schemas.microsoft.com/office/mac/drawingml/2011/main" xmlns="" val="1"/>
+              <ma14:wrappingTextBoxFlag xmlns="" xmlns:ma14="http://schemas.microsoft.com/office/mac/drawingml/2011/main" val="1"/>
             </a:ext>
           </a:extLst>
         </p:spPr>
@@ -4468,7 +4468,7 @@
           </a:ln>
           <a:extLst>
             <a:ext uri="{C572A759-6A51-4108-AA02-DFA0A04FC94B}">
-              <ma14:wrappingTextBoxFlag xmlns:ma14="http://schemas.microsoft.com/office/mac/drawingml/2011/main" xmlns="" val="1"/>
+              <ma14:wrappingTextBoxFlag xmlns="" xmlns:ma14="http://schemas.microsoft.com/office/mac/drawingml/2011/main" val="1"/>
             </a:ext>
           </a:extLst>
         </p:spPr>
@@ -4524,7 +4524,7 @@
           </a:ln>
           <a:extLst>
             <a:ext uri="{C572A759-6A51-4108-AA02-DFA0A04FC94B}">
-              <ma14:wrappingTextBoxFlag xmlns:ma14="http://schemas.microsoft.com/office/mac/drawingml/2011/main" xmlns="" val="1"/>
+              <ma14:wrappingTextBoxFlag xmlns="" xmlns:ma14="http://schemas.microsoft.com/office/mac/drawingml/2011/main" val="1"/>
             </a:ext>
           </a:extLst>
         </p:spPr>
@@ -4580,7 +4580,7 @@
           </a:ln>
           <a:extLst>
             <a:ext uri="{C572A759-6A51-4108-AA02-DFA0A04FC94B}">
-              <ma14:wrappingTextBoxFlag xmlns:ma14="http://schemas.microsoft.com/office/mac/drawingml/2011/main" xmlns="" val="1"/>
+              <ma14:wrappingTextBoxFlag xmlns="" xmlns:ma14="http://schemas.microsoft.com/office/mac/drawingml/2011/main" val="1"/>
             </a:ext>
           </a:extLst>
         </p:spPr>
@@ -4636,7 +4636,7 @@
           </a:ln>
           <a:extLst>
             <a:ext uri="{C572A759-6A51-4108-AA02-DFA0A04FC94B}">
-              <ma14:wrappingTextBoxFlag xmlns:ma14="http://schemas.microsoft.com/office/mac/drawingml/2011/main" xmlns="" val="1"/>
+              <ma14:wrappingTextBoxFlag xmlns="" xmlns:ma14="http://schemas.microsoft.com/office/mac/drawingml/2011/main" val="1"/>
             </a:ext>
           </a:extLst>
         </p:spPr>
@@ -4692,7 +4692,7 @@
           </a:ln>
           <a:extLst>
             <a:ext uri="{C572A759-6A51-4108-AA02-DFA0A04FC94B}">
-              <ma14:wrappingTextBoxFlag xmlns:ma14="http://schemas.microsoft.com/office/mac/drawingml/2011/main" xmlns="" val="1"/>
+              <ma14:wrappingTextBoxFlag xmlns="" xmlns:ma14="http://schemas.microsoft.com/office/mac/drawingml/2011/main" val="1"/>
             </a:ext>
           </a:extLst>
         </p:spPr>
@@ -4879,7 +4879,7 @@
             </a:ln>
             <a:extLst>
               <a:ext uri="{C572A759-6A51-4108-AA02-DFA0A04FC94B}">
-                <ma14:wrappingTextBoxFlag xmlns:ma14="http://schemas.microsoft.com/office/mac/drawingml/2011/main" xmlns="" val="1"/>
+                <ma14:wrappingTextBoxFlag xmlns="" xmlns:ma14="http://schemas.microsoft.com/office/mac/drawingml/2011/main" val="1"/>
               </a:ext>
             </a:extLst>
           </p:spPr>
@@ -4964,7 +4964,7 @@
             </a:ln>
             <a:extLst>
               <a:ext uri="{C572A759-6A51-4108-AA02-DFA0A04FC94B}">
-                <ma14:wrappingTextBoxFlag xmlns:ma14="http://schemas.microsoft.com/office/mac/drawingml/2011/main" xmlns="" val="1"/>
+                <ma14:wrappingTextBoxFlag xmlns="" xmlns:ma14="http://schemas.microsoft.com/office/mac/drawingml/2011/main" val="1"/>
               </a:ext>
             </a:extLst>
           </p:spPr>
@@ -5106,7 +5106,7 @@
             </a:ln>
             <a:extLst>
               <a:ext uri="{C572A759-6A51-4108-AA02-DFA0A04FC94B}">
-                <ma14:wrappingTextBoxFlag xmlns:ma14="http://schemas.microsoft.com/office/mac/drawingml/2011/main" xmlns="" val="1"/>
+                <ma14:wrappingTextBoxFlag xmlns="" xmlns:ma14="http://schemas.microsoft.com/office/mac/drawingml/2011/main" val="1"/>
               </a:ext>
             </a:extLst>
           </p:spPr>
@@ -5155,7 +5155,7 @@
             </a:ln>
             <a:extLst>
               <a:ext uri="{C572A759-6A51-4108-AA02-DFA0A04FC94B}">
-                <ma14:wrappingTextBoxFlag xmlns:ma14="http://schemas.microsoft.com/office/mac/drawingml/2011/main" xmlns="" val="1"/>
+                <ma14:wrappingTextBoxFlag xmlns="" xmlns:ma14="http://schemas.microsoft.com/office/mac/drawingml/2011/main" val="1"/>
               </a:ext>
             </a:extLst>
           </p:spPr>
@@ -5203,7 +5203,7 @@
             </a:ln>
             <a:extLst>
               <a:ext uri="{C572A759-6A51-4108-AA02-DFA0A04FC94B}">
-                <ma14:wrappingTextBoxFlag xmlns:ma14="http://schemas.microsoft.com/office/mac/drawingml/2011/main" xmlns="" val="1"/>
+                <ma14:wrappingTextBoxFlag xmlns="" xmlns:ma14="http://schemas.microsoft.com/office/mac/drawingml/2011/main" val="1"/>
               </a:ext>
             </a:extLst>
           </p:spPr>
@@ -5479,7 +5479,7 @@
             </a:ln>
             <a:extLst>
               <a:ext uri="{C572A759-6A51-4108-AA02-DFA0A04FC94B}">
-                <ma14:wrappingTextBoxFlag xmlns:ma14="http://schemas.microsoft.com/office/mac/drawingml/2011/main" xmlns="" val="1"/>
+                <ma14:wrappingTextBoxFlag xmlns="" xmlns:ma14="http://schemas.microsoft.com/office/mac/drawingml/2011/main" val="1"/>
               </a:ext>
             </a:extLst>
           </p:spPr>
@@ -5528,7 +5528,7 @@
             </a:ln>
             <a:extLst>
               <a:ext uri="{C572A759-6A51-4108-AA02-DFA0A04FC94B}">
-                <ma14:wrappingTextBoxFlag xmlns:ma14="http://schemas.microsoft.com/office/mac/drawingml/2011/main" xmlns="" val="1"/>
+                <ma14:wrappingTextBoxFlag xmlns="" xmlns:ma14="http://schemas.microsoft.com/office/mac/drawingml/2011/main" val="1"/>
               </a:ext>
             </a:extLst>
           </p:spPr>
@@ -5656,7 +5656,7 @@
             </a:ln>
             <a:extLst>
               <a:ext uri="{C572A759-6A51-4108-AA02-DFA0A04FC94B}">
-                <ma14:wrappingTextBoxFlag xmlns:ma14="http://schemas.microsoft.com/office/mac/drawingml/2011/main" xmlns="" val="1"/>
+                <ma14:wrappingTextBoxFlag xmlns="" xmlns:ma14="http://schemas.microsoft.com/office/mac/drawingml/2011/main" val="1"/>
               </a:ext>
             </a:extLst>
           </p:spPr>
@@ -5794,7 +5794,7 @@
             </a:ln>
             <a:extLst>
               <a:ext uri="{C572A759-6A51-4108-AA02-DFA0A04FC94B}">
-                <ma14:wrappingTextBoxFlag xmlns:ma14="http://schemas.microsoft.com/office/mac/drawingml/2011/main" xmlns="" val="1"/>
+                <ma14:wrappingTextBoxFlag xmlns="" xmlns:ma14="http://schemas.microsoft.com/office/mac/drawingml/2011/main" val="1"/>
               </a:ext>
             </a:extLst>
           </p:spPr>
@@ -5851,7 +5851,7 @@
             </a:ln>
             <a:extLst>
               <a:ext uri="{C572A759-6A51-4108-AA02-DFA0A04FC94B}">
-                <ma14:wrappingTextBoxFlag xmlns:ma14="http://schemas.microsoft.com/office/mac/drawingml/2011/main" xmlns="" val="1"/>
+                <ma14:wrappingTextBoxFlag xmlns="" xmlns:ma14="http://schemas.microsoft.com/office/mac/drawingml/2011/main" val="1"/>
               </a:ext>
             </a:extLst>
           </p:spPr>
@@ -5909,7 +5909,7 @@
           </a:ln>
           <a:extLst>
             <a:ext uri="{C572A759-6A51-4108-AA02-DFA0A04FC94B}">
-              <ma14:wrappingTextBoxFlag xmlns:ma14="http://schemas.microsoft.com/office/mac/drawingml/2011/main" xmlns="" val="1"/>
+              <ma14:wrappingTextBoxFlag xmlns="" xmlns:ma14="http://schemas.microsoft.com/office/mac/drawingml/2011/main" val="1"/>
             </a:ext>
           </a:extLst>
         </p:spPr>
@@ -6075,7 +6075,7 @@
           </a:ln>
           <a:extLst>
             <a:ext uri="{C572A759-6A51-4108-AA02-DFA0A04FC94B}">
-              <ma14:wrappingTextBoxFlag xmlns="" xmlns:ma14="http://schemas.microsoft.com/office/mac/drawingml/2011/main" val="1"/>
+              <ma14:wrappingTextBoxFlag xmlns:ma14="http://schemas.microsoft.com/office/mac/drawingml/2011/main" xmlns="" val="1"/>
             </a:ext>
           </a:extLst>
         </p:spPr>
@@ -6126,7 +6126,7 @@
           </a:ln>
           <a:extLst>
             <a:ext uri="{C572A759-6A51-4108-AA02-DFA0A04FC94B}">
-              <ma14:wrappingTextBoxFlag xmlns:ma14="http://schemas.microsoft.com/office/mac/drawingml/2011/main" xmlns="" val="1"/>
+              <ma14:wrappingTextBoxFlag xmlns="" xmlns:ma14="http://schemas.microsoft.com/office/mac/drawingml/2011/main" val="1"/>
             </a:ext>
           </a:extLst>
         </p:spPr>
@@ -6203,7 +6203,7 @@
           </a:ln>
           <a:extLst>
             <a:ext uri="{C572A759-6A51-4108-AA02-DFA0A04FC94B}">
-              <ma14:wrappingTextBoxFlag xmlns:ma14="http://schemas.microsoft.com/office/mac/drawingml/2011/main" xmlns="" val="1"/>
+              <ma14:wrappingTextBoxFlag xmlns="" xmlns:ma14="http://schemas.microsoft.com/office/mac/drawingml/2011/main" val="1"/>
             </a:ext>
           </a:extLst>
         </p:spPr>
@@ -6265,7 +6265,7 @@
           </a:ln>
           <a:extLst>
             <a:ext uri="{C572A759-6A51-4108-AA02-DFA0A04FC94B}">
-              <ma14:wrappingTextBoxFlag xmlns:ma14="http://schemas.microsoft.com/office/mac/drawingml/2011/main" xmlns="" val="1"/>
+              <ma14:wrappingTextBoxFlag xmlns="" xmlns:ma14="http://schemas.microsoft.com/office/mac/drawingml/2011/main" val="1"/>
             </a:ext>
           </a:extLst>
         </p:spPr>
@@ -6327,7 +6327,7 @@
           </a:ln>
           <a:extLst>
             <a:ext uri="{C572A759-6A51-4108-AA02-DFA0A04FC94B}">
-              <ma14:wrappingTextBoxFlag xmlns:ma14="http://schemas.microsoft.com/office/mac/drawingml/2011/main" xmlns="" val="1"/>
+              <ma14:wrappingTextBoxFlag xmlns="" xmlns:ma14="http://schemas.microsoft.com/office/mac/drawingml/2011/main" val="1"/>
             </a:ext>
           </a:extLst>
         </p:spPr>
@@ -6389,7 +6389,7 @@
           </a:ln>
           <a:extLst>
             <a:ext uri="{C572A759-6A51-4108-AA02-DFA0A04FC94B}">
-              <ma14:wrappingTextBoxFlag xmlns:ma14="http://schemas.microsoft.com/office/mac/drawingml/2011/main" xmlns="" val="1"/>
+              <ma14:wrappingTextBoxFlag xmlns="" xmlns:ma14="http://schemas.microsoft.com/office/mac/drawingml/2011/main" val="1"/>
             </a:ext>
           </a:extLst>
         </p:spPr>
@@ -6451,7 +6451,7 @@
           </a:ln>
           <a:extLst>
             <a:ext uri="{C572A759-6A51-4108-AA02-DFA0A04FC94B}">
-              <ma14:wrappingTextBoxFlag xmlns:ma14="http://schemas.microsoft.com/office/mac/drawingml/2011/main" xmlns="" val="1"/>
+              <ma14:wrappingTextBoxFlag xmlns="" xmlns:ma14="http://schemas.microsoft.com/office/mac/drawingml/2011/main" val="1"/>
             </a:ext>
           </a:extLst>
         </p:spPr>
@@ -6686,7 +6686,7 @@
             </a:ln>
             <a:extLst>
               <a:ext uri="{C572A759-6A51-4108-AA02-DFA0A04FC94B}">
-                <ma14:wrappingTextBoxFlag xmlns:ma14="http://schemas.microsoft.com/office/mac/drawingml/2011/main" xmlns="" val="1"/>
+                <ma14:wrappingTextBoxFlag xmlns="" xmlns:ma14="http://schemas.microsoft.com/office/mac/drawingml/2011/main" val="1"/>
               </a:ext>
             </a:extLst>
           </p:spPr>
@@ -6783,7 +6783,7 @@
             </a:ln>
             <a:extLst>
               <a:ext uri="{C572A759-6A51-4108-AA02-DFA0A04FC94B}">
-                <ma14:wrappingTextBoxFlag xmlns:ma14="http://schemas.microsoft.com/office/mac/drawingml/2011/main" xmlns="" val="1"/>
+                <ma14:wrappingTextBoxFlag xmlns="" xmlns:ma14="http://schemas.microsoft.com/office/mac/drawingml/2011/main" val="1"/>
               </a:ext>
             </a:extLst>
           </p:spPr>
@@ -6937,7 +6937,7 @@
             </a:ln>
             <a:extLst>
               <a:ext uri="{C572A759-6A51-4108-AA02-DFA0A04FC94B}">
-                <ma14:wrappingTextBoxFlag xmlns:ma14="http://schemas.microsoft.com/office/mac/drawingml/2011/main" xmlns="" val="1"/>
+                <ma14:wrappingTextBoxFlag xmlns="" xmlns:ma14="http://schemas.microsoft.com/office/mac/drawingml/2011/main" val="1"/>
               </a:ext>
             </a:extLst>
           </p:spPr>
@@ -6992,7 +6992,7 @@
             </a:ln>
             <a:extLst>
               <a:ext uri="{C572A759-6A51-4108-AA02-DFA0A04FC94B}">
-                <ma14:wrappingTextBoxFlag xmlns:ma14="http://schemas.microsoft.com/office/mac/drawingml/2011/main" xmlns="" val="1"/>
+                <ma14:wrappingTextBoxFlag xmlns="" xmlns:ma14="http://schemas.microsoft.com/office/mac/drawingml/2011/main" val="1"/>
               </a:ext>
             </a:extLst>
           </p:spPr>
@@ -7046,7 +7046,7 @@
             </a:ln>
             <a:extLst>
               <a:ext uri="{C572A759-6A51-4108-AA02-DFA0A04FC94B}">
-                <ma14:wrappingTextBoxFlag xmlns:ma14="http://schemas.microsoft.com/office/mac/drawingml/2011/main" xmlns="" val="1"/>
+                <ma14:wrappingTextBoxFlag xmlns="" xmlns:ma14="http://schemas.microsoft.com/office/mac/drawingml/2011/main" val="1"/>
               </a:ext>
             </a:extLst>
           </p:spPr>
@@ -7352,7 +7352,7 @@
             </a:ln>
             <a:extLst>
               <a:ext uri="{C572A759-6A51-4108-AA02-DFA0A04FC94B}">
-                <ma14:wrappingTextBoxFlag xmlns:ma14="http://schemas.microsoft.com/office/mac/drawingml/2011/main" xmlns="" val="1"/>
+                <ma14:wrappingTextBoxFlag xmlns="" xmlns:ma14="http://schemas.microsoft.com/office/mac/drawingml/2011/main" val="1"/>
               </a:ext>
             </a:extLst>
           </p:spPr>
@@ -7407,7 +7407,7 @@
             </a:ln>
             <a:extLst>
               <a:ext uri="{C572A759-6A51-4108-AA02-DFA0A04FC94B}">
-                <ma14:wrappingTextBoxFlag xmlns:ma14="http://schemas.microsoft.com/office/mac/drawingml/2011/main" xmlns="" val="1"/>
+                <ma14:wrappingTextBoxFlag xmlns="" xmlns:ma14="http://schemas.microsoft.com/office/mac/drawingml/2011/main" val="1"/>
               </a:ext>
             </a:extLst>
           </p:spPr>
@@ -7535,7 +7535,7 @@
             </a:ln>
             <a:extLst>
               <a:ext uri="{C572A759-6A51-4108-AA02-DFA0A04FC94B}">
-                <ma14:wrappingTextBoxFlag xmlns:ma14="http://schemas.microsoft.com/office/mac/drawingml/2011/main" xmlns="" val="1"/>
+                <ma14:wrappingTextBoxFlag xmlns="" xmlns:ma14="http://schemas.microsoft.com/office/mac/drawingml/2011/main" val="1"/>
               </a:ext>
             </a:extLst>
           </p:spPr>
@@ -7673,7 +7673,7 @@
             </a:ln>
             <a:extLst>
               <a:ext uri="{C572A759-6A51-4108-AA02-DFA0A04FC94B}">
-                <ma14:wrappingTextBoxFlag xmlns:ma14="http://schemas.microsoft.com/office/mac/drawingml/2011/main" xmlns="" val="1"/>
+                <ma14:wrappingTextBoxFlag xmlns="" xmlns:ma14="http://schemas.microsoft.com/office/mac/drawingml/2011/main" val="1"/>
               </a:ext>
             </a:extLst>
           </p:spPr>
@@ -7730,7 +7730,7 @@
             </a:ln>
             <a:extLst>
               <a:ext uri="{C572A759-6A51-4108-AA02-DFA0A04FC94B}">
-                <ma14:wrappingTextBoxFlag xmlns:ma14="http://schemas.microsoft.com/office/mac/drawingml/2011/main" xmlns="" val="1"/>
+                <ma14:wrappingTextBoxFlag xmlns="" xmlns:ma14="http://schemas.microsoft.com/office/mac/drawingml/2011/main" val="1"/>
               </a:ext>
             </a:extLst>
           </p:spPr>
@@ -7882,7 +7882,7 @@
           </a:ln>
           <a:extLst>
             <a:ext uri="{C572A759-6A51-4108-AA02-DFA0A04FC94B}">
-              <ma14:wrappingTextBoxFlag xmlns:ma14="http://schemas.microsoft.com/office/mac/drawingml/2011/main" xmlns="" val="1"/>
+              <ma14:wrappingTextBoxFlag xmlns="" xmlns:ma14="http://schemas.microsoft.com/office/mac/drawingml/2011/main" val="1"/>
             </a:ext>
           </a:extLst>
         </p:spPr>
@@ -7933,7 +7933,7 @@
           </a:ln>
           <a:extLst>
             <a:ext uri="{C572A759-6A51-4108-AA02-DFA0A04FC94B}">
-              <ma14:wrappingTextBoxFlag xmlns:ma14="http://schemas.microsoft.com/office/mac/drawingml/2011/main" xmlns="" val="1"/>
+              <ma14:wrappingTextBoxFlag xmlns="" xmlns:ma14="http://schemas.microsoft.com/office/mac/drawingml/2011/main" val="1"/>
             </a:ext>
           </a:extLst>
         </p:spPr>
@@ -8183,7 +8183,7 @@
             </a:ln>
             <a:extLst>
               <a:ext uri="{C572A759-6A51-4108-AA02-DFA0A04FC94B}">
-                <ma14:wrappingTextBoxFlag xmlns:ma14="http://schemas.microsoft.com/office/mac/drawingml/2011/main" xmlns="" val="1"/>
+                <ma14:wrappingTextBoxFlag xmlns="" xmlns:ma14="http://schemas.microsoft.com/office/mac/drawingml/2011/main" val="1"/>
               </a:ext>
             </a:extLst>
           </p:spPr>
@@ -8280,7 +8280,7 @@
             </a:ln>
             <a:extLst>
               <a:ext uri="{C572A759-6A51-4108-AA02-DFA0A04FC94B}">
-                <ma14:wrappingTextBoxFlag xmlns:ma14="http://schemas.microsoft.com/office/mac/drawingml/2011/main" xmlns="" val="1"/>
+                <ma14:wrappingTextBoxFlag xmlns="" xmlns:ma14="http://schemas.microsoft.com/office/mac/drawingml/2011/main" val="1"/>
               </a:ext>
             </a:extLst>
           </p:spPr>
@@ -8434,7 +8434,7 @@
             </a:ln>
             <a:extLst>
               <a:ext uri="{C572A759-6A51-4108-AA02-DFA0A04FC94B}">
-                <ma14:wrappingTextBoxFlag xmlns:ma14="http://schemas.microsoft.com/office/mac/drawingml/2011/main" xmlns="" val="1"/>
+                <ma14:wrappingTextBoxFlag xmlns="" xmlns:ma14="http://schemas.microsoft.com/office/mac/drawingml/2011/main" val="1"/>
               </a:ext>
             </a:extLst>
           </p:spPr>
@@ -8489,7 +8489,7 @@
             </a:ln>
             <a:extLst>
               <a:ext uri="{C572A759-6A51-4108-AA02-DFA0A04FC94B}">
-                <ma14:wrappingTextBoxFlag xmlns:ma14="http://schemas.microsoft.com/office/mac/drawingml/2011/main" xmlns="" val="1"/>
+                <ma14:wrappingTextBoxFlag xmlns="" xmlns:ma14="http://schemas.microsoft.com/office/mac/drawingml/2011/main" val="1"/>
               </a:ext>
             </a:extLst>
           </p:spPr>
@@ -8543,7 +8543,7 @@
             </a:ln>
             <a:extLst>
               <a:ext uri="{C572A759-6A51-4108-AA02-DFA0A04FC94B}">
-                <ma14:wrappingTextBoxFlag xmlns:ma14="http://schemas.microsoft.com/office/mac/drawingml/2011/main" xmlns="" val="1"/>
+                <ma14:wrappingTextBoxFlag xmlns="" xmlns:ma14="http://schemas.microsoft.com/office/mac/drawingml/2011/main" val="1"/>
               </a:ext>
             </a:extLst>
           </p:spPr>
@@ -8849,7 +8849,7 @@
             </a:ln>
             <a:extLst>
               <a:ext uri="{C572A759-6A51-4108-AA02-DFA0A04FC94B}">
-                <ma14:wrappingTextBoxFlag xmlns:ma14="http://schemas.microsoft.com/office/mac/drawingml/2011/main" xmlns="" val="1"/>
+                <ma14:wrappingTextBoxFlag xmlns="" xmlns:ma14="http://schemas.microsoft.com/office/mac/drawingml/2011/main" val="1"/>
               </a:ext>
             </a:extLst>
           </p:spPr>
@@ -8904,7 +8904,7 @@
             </a:ln>
             <a:extLst>
               <a:ext uri="{C572A759-6A51-4108-AA02-DFA0A04FC94B}">
-                <ma14:wrappingTextBoxFlag xmlns:ma14="http://schemas.microsoft.com/office/mac/drawingml/2011/main" xmlns="" val="1"/>
+                <ma14:wrappingTextBoxFlag xmlns="" xmlns:ma14="http://schemas.microsoft.com/office/mac/drawingml/2011/main" val="1"/>
               </a:ext>
             </a:extLst>
           </p:spPr>
@@ -9032,7 +9032,7 @@
             </a:ln>
             <a:extLst>
               <a:ext uri="{C572A759-6A51-4108-AA02-DFA0A04FC94B}">
-                <ma14:wrappingTextBoxFlag xmlns:ma14="http://schemas.microsoft.com/office/mac/drawingml/2011/main" xmlns="" val="1"/>
+                <ma14:wrappingTextBoxFlag xmlns="" xmlns:ma14="http://schemas.microsoft.com/office/mac/drawingml/2011/main" val="1"/>
               </a:ext>
             </a:extLst>
           </p:spPr>
@@ -9062,7 +9062,7 @@
               </a:r>
               <a:r>
                 <a:rPr lang="en-AU" dirty="0"/>
-                <a:t>28</a:t>
+                <a:t>146</a:t>
               </a:r>
               <a:endParaRPr dirty="0"/>
             </a:p>
@@ -9170,7 +9170,7 @@
             </a:ln>
             <a:extLst>
               <a:ext uri="{C572A759-6A51-4108-AA02-DFA0A04FC94B}">
-                <ma14:wrappingTextBoxFlag xmlns:ma14="http://schemas.microsoft.com/office/mac/drawingml/2011/main" xmlns="" val="1"/>
+                <ma14:wrappingTextBoxFlag xmlns="" xmlns:ma14="http://schemas.microsoft.com/office/mac/drawingml/2011/main" val="1"/>
               </a:ext>
             </a:extLst>
           </p:spPr>
@@ -9227,7 +9227,7 @@
             </a:ln>
             <a:extLst>
               <a:ext uri="{C572A759-6A51-4108-AA02-DFA0A04FC94B}">
-                <ma14:wrappingTextBoxFlag xmlns:ma14="http://schemas.microsoft.com/office/mac/drawingml/2011/main" xmlns="" val="1"/>
+                <ma14:wrappingTextBoxFlag xmlns="" xmlns:ma14="http://schemas.microsoft.com/office/mac/drawingml/2011/main" val="1"/>
               </a:ext>
             </a:extLst>
           </p:spPr>
@@ -9285,7 +9285,7 @@
           </a:ln>
           <a:extLst>
             <a:ext uri="{C572A759-6A51-4108-AA02-DFA0A04FC94B}">
-              <ma14:wrappingTextBoxFlag xmlns:ma14="http://schemas.microsoft.com/office/mac/drawingml/2011/main" xmlns="" val="1"/>
+              <ma14:wrappingTextBoxFlag xmlns="" xmlns:ma14="http://schemas.microsoft.com/office/mac/drawingml/2011/main" val="1"/>
             </a:ext>
           </a:extLst>
         </p:spPr>
@@ -9347,7 +9347,7 @@
           </a:ln>
           <a:extLst>
             <a:ext uri="{C572A759-6A51-4108-AA02-DFA0A04FC94B}">
-              <ma14:wrappingTextBoxFlag xmlns:ma14="http://schemas.microsoft.com/office/mac/drawingml/2011/main" xmlns="" val="1"/>
+              <ma14:wrappingTextBoxFlag xmlns="" xmlns:ma14="http://schemas.microsoft.com/office/mac/drawingml/2011/main" val="1"/>
             </a:ext>
           </a:extLst>
         </p:spPr>
@@ -9409,7 +9409,7 @@
           </a:ln>
           <a:extLst>
             <a:ext uri="{C572A759-6A51-4108-AA02-DFA0A04FC94B}">
-              <ma14:wrappingTextBoxFlag xmlns:ma14="http://schemas.microsoft.com/office/mac/drawingml/2011/main" xmlns="" val="1"/>
+              <ma14:wrappingTextBoxFlag xmlns="" xmlns:ma14="http://schemas.microsoft.com/office/mac/drawingml/2011/main" val="1"/>
             </a:ext>
           </a:extLst>
         </p:spPr>
@@ -9471,7 +9471,7 @@
           </a:ln>
           <a:extLst>
             <a:ext uri="{C572A759-6A51-4108-AA02-DFA0A04FC94B}">
-              <ma14:wrappingTextBoxFlag xmlns:ma14="http://schemas.microsoft.com/office/mac/drawingml/2011/main" xmlns="" val="1"/>
+              <ma14:wrappingTextBoxFlag xmlns="" xmlns:ma14="http://schemas.microsoft.com/office/mac/drawingml/2011/main" val="1"/>
             </a:ext>
           </a:extLst>
         </p:spPr>
@@ -9533,7 +9533,7 @@
           </a:ln>
           <a:extLst>
             <a:ext uri="{C572A759-6A51-4108-AA02-DFA0A04FC94B}">
-              <ma14:wrappingTextBoxFlag xmlns:ma14="http://schemas.microsoft.com/office/mac/drawingml/2011/main" xmlns="" val="1"/>
+              <ma14:wrappingTextBoxFlag xmlns="" xmlns:ma14="http://schemas.microsoft.com/office/mac/drawingml/2011/main" val="1"/>
             </a:ext>
           </a:extLst>
         </p:spPr>
@@ -9684,7 +9684,7 @@
           </a:ln>
           <a:extLst>
             <a:ext uri="{C572A759-6A51-4108-AA02-DFA0A04FC94B}">
-              <ma14:wrappingTextBoxFlag xmlns:ma14="http://schemas.microsoft.com/office/mac/drawingml/2011/main" xmlns="" val="1"/>
+              <ma14:wrappingTextBoxFlag xmlns="" xmlns:ma14="http://schemas.microsoft.com/office/mac/drawingml/2011/main" val="1"/>
             </a:ext>
           </a:extLst>
         </p:spPr>
@@ -9735,7 +9735,7 @@
           </a:ln>
           <a:extLst>
             <a:ext uri="{C572A759-6A51-4108-AA02-DFA0A04FC94B}">
-              <ma14:wrappingTextBoxFlag xmlns:ma14="http://schemas.microsoft.com/office/mac/drawingml/2011/main" xmlns="" val="1"/>
+              <ma14:wrappingTextBoxFlag xmlns="" xmlns:ma14="http://schemas.microsoft.com/office/mac/drawingml/2011/main" val="1"/>
             </a:ext>
           </a:extLst>
         </p:spPr>
@@ -9985,7 +9985,7 @@
             </a:ln>
             <a:extLst>
               <a:ext uri="{C572A759-6A51-4108-AA02-DFA0A04FC94B}">
-                <ma14:wrappingTextBoxFlag xmlns:ma14="http://schemas.microsoft.com/office/mac/drawingml/2011/main" xmlns="" val="1"/>
+                <ma14:wrappingTextBoxFlag xmlns="" xmlns:ma14="http://schemas.microsoft.com/office/mac/drawingml/2011/main" val="1"/>
               </a:ext>
             </a:extLst>
           </p:spPr>
@@ -10082,7 +10082,7 @@
             </a:ln>
             <a:extLst>
               <a:ext uri="{C572A759-6A51-4108-AA02-DFA0A04FC94B}">
-                <ma14:wrappingTextBoxFlag xmlns:ma14="http://schemas.microsoft.com/office/mac/drawingml/2011/main" xmlns="" val="1"/>
+                <ma14:wrappingTextBoxFlag xmlns="" xmlns:ma14="http://schemas.microsoft.com/office/mac/drawingml/2011/main" val="1"/>
               </a:ext>
             </a:extLst>
           </p:spPr>
@@ -10236,7 +10236,7 @@
             </a:ln>
             <a:extLst>
               <a:ext uri="{C572A759-6A51-4108-AA02-DFA0A04FC94B}">
-                <ma14:wrappingTextBoxFlag xmlns:ma14="http://schemas.microsoft.com/office/mac/drawingml/2011/main" xmlns="" val="1"/>
+                <ma14:wrappingTextBoxFlag xmlns="" xmlns:ma14="http://schemas.microsoft.com/office/mac/drawingml/2011/main" val="1"/>
               </a:ext>
             </a:extLst>
           </p:spPr>
@@ -10291,7 +10291,7 @@
             </a:ln>
             <a:extLst>
               <a:ext uri="{C572A759-6A51-4108-AA02-DFA0A04FC94B}">
-                <ma14:wrappingTextBoxFlag xmlns:ma14="http://schemas.microsoft.com/office/mac/drawingml/2011/main" xmlns="" val="1"/>
+                <ma14:wrappingTextBoxFlag xmlns="" xmlns:ma14="http://schemas.microsoft.com/office/mac/drawingml/2011/main" val="1"/>
               </a:ext>
             </a:extLst>
           </p:spPr>
@@ -10345,7 +10345,7 @@
             </a:ln>
             <a:extLst>
               <a:ext uri="{C572A759-6A51-4108-AA02-DFA0A04FC94B}">
-                <ma14:wrappingTextBoxFlag xmlns:ma14="http://schemas.microsoft.com/office/mac/drawingml/2011/main" xmlns="" val="1"/>
+                <ma14:wrappingTextBoxFlag xmlns="" xmlns:ma14="http://schemas.microsoft.com/office/mac/drawingml/2011/main" val="1"/>
               </a:ext>
             </a:extLst>
           </p:spPr>
@@ -10652,7 +10652,7 @@
             </a:ln>
             <a:extLst>
               <a:ext uri="{C572A759-6A51-4108-AA02-DFA0A04FC94B}">
-                <ma14:wrappingTextBoxFlag xmlns:ma14="http://schemas.microsoft.com/office/mac/drawingml/2011/main" xmlns="" val="1"/>
+                <ma14:wrappingTextBoxFlag xmlns="" xmlns:ma14="http://schemas.microsoft.com/office/mac/drawingml/2011/main" val="1"/>
               </a:ext>
             </a:extLst>
           </p:spPr>
@@ -10707,7 +10707,7 @@
             </a:ln>
             <a:extLst>
               <a:ext uri="{C572A759-6A51-4108-AA02-DFA0A04FC94B}">
-                <ma14:wrappingTextBoxFlag xmlns:ma14="http://schemas.microsoft.com/office/mac/drawingml/2011/main" xmlns="" val="1"/>
+                <ma14:wrappingTextBoxFlag xmlns="" xmlns:ma14="http://schemas.microsoft.com/office/mac/drawingml/2011/main" val="1"/>
               </a:ext>
             </a:extLst>
           </p:spPr>
@@ -10835,7 +10835,7 @@
             </a:ln>
             <a:extLst>
               <a:ext uri="{C572A759-6A51-4108-AA02-DFA0A04FC94B}">
-                <ma14:wrappingTextBoxFlag xmlns:ma14="http://schemas.microsoft.com/office/mac/drawingml/2011/main" xmlns="" val="1"/>
+                <ma14:wrappingTextBoxFlag xmlns="" xmlns:ma14="http://schemas.microsoft.com/office/mac/drawingml/2011/main" val="1"/>
               </a:ext>
             </a:extLst>
           </p:spPr>
@@ -10973,7 +10973,7 @@
             </a:ln>
             <a:extLst>
               <a:ext uri="{C572A759-6A51-4108-AA02-DFA0A04FC94B}">
-                <ma14:wrappingTextBoxFlag xmlns:ma14="http://schemas.microsoft.com/office/mac/drawingml/2011/main" xmlns="" val="1"/>
+                <ma14:wrappingTextBoxFlag xmlns="" xmlns:ma14="http://schemas.microsoft.com/office/mac/drawingml/2011/main" val="1"/>
               </a:ext>
             </a:extLst>
           </p:spPr>
@@ -11030,7 +11030,7 @@
             </a:ln>
             <a:extLst>
               <a:ext uri="{C572A759-6A51-4108-AA02-DFA0A04FC94B}">
-                <ma14:wrappingTextBoxFlag xmlns:ma14="http://schemas.microsoft.com/office/mac/drawingml/2011/main" xmlns="" val="1"/>
+                <ma14:wrappingTextBoxFlag xmlns="" xmlns:ma14="http://schemas.microsoft.com/office/mac/drawingml/2011/main" val="1"/>
               </a:ext>
             </a:extLst>
           </p:spPr>
@@ -11088,7 +11088,7 @@
           </a:ln>
           <a:extLst>
             <a:ext uri="{C572A759-6A51-4108-AA02-DFA0A04FC94B}">
-              <ma14:wrappingTextBoxFlag xmlns:ma14="http://schemas.microsoft.com/office/mac/drawingml/2011/main" xmlns="" val="1"/>
+              <ma14:wrappingTextBoxFlag xmlns="" xmlns:ma14="http://schemas.microsoft.com/office/mac/drawingml/2011/main" val="1"/>
             </a:ext>
           </a:extLst>
         </p:spPr>
@@ -11150,7 +11150,7 @@
           </a:ln>
           <a:extLst>
             <a:ext uri="{C572A759-6A51-4108-AA02-DFA0A04FC94B}">
-              <ma14:wrappingTextBoxFlag xmlns:ma14="http://schemas.microsoft.com/office/mac/drawingml/2011/main" xmlns="" val="1"/>
+              <ma14:wrappingTextBoxFlag xmlns="" xmlns:ma14="http://schemas.microsoft.com/office/mac/drawingml/2011/main" val="1"/>
             </a:ext>
           </a:extLst>
         </p:spPr>
@@ -11212,7 +11212,7 @@
           </a:ln>
           <a:extLst>
             <a:ext uri="{C572A759-6A51-4108-AA02-DFA0A04FC94B}">
-              <ma14:wrappingTextBoxFlag xmlns:ma14="http://schemas.microsoft.com/office/mac/drawingml/2011/main" xmlns="" val="1"/>
+              <ma14:wrappingTextBoxFlag xmlns="" xmlns:ma14="http://schemas.microsoft.com/office/mac/drawingml/2011/main" val="1"/>
             </a:ext>
           </a:extLst>
         </p:spPr>
@@ -11274,7 +11274,7 @@
           </a:ln>
           <a:extLst>
             <a:ext uri="{C572A759-6A51-4108-AA02-DFA0A04FC94B}">
-              <ma14:wrappingTextBoxFlag xmlns:ma14="http://schemas.microsoft.com/office/mac/drawingml/2011/main" xmlns="" val="1"/>
+              <ma14:wrappingTextBoxFlag xmlns="" xmlns:ma14="http://schemas.microsoft.com/office/mac/drawingml/2011/main" val="1"/>
             </a:ext>
           </a:extLst>
         </p:spPr>
@@ -11336,7 +11336,7 @@
           </a:ln>
           <a:extLst>
             <a:ext uri="{C572A759-6A51-4108-AA02-DFA0A04FC94B}">
-              <ma14:wrappingTextBoxFlag xmlns:ma14="http://schemas.microsoft.com/office/mac/drawingml/2011/main" xmlns="" val="1"/>
+              <ma14:wrappingTextBoxFlag xmlns="" xmlns:ma14="http://schemas.microsoft.com/office/mac/drawingml/2011/main" val="1"/>
             </a:ext>
           </a:extLst>
         </p:spPr>
@@ -11424,7 +11424,7 @@
           </a:ln>
           <a:extLst>
             <a:ext uri="{C572A759-6A51-4108-AA02-DFA0A04FC94B}">
-              <ma14:wrappingTextBoxFlag xmlns:ma14="http://schemas.microsoft.com/office/mac/drawingml/2011/main" xmlns="" val="1"/>
+              <ma14:wrappingTextBoxFlag xmlns="" xmlns:ma14="http://schemas.microsoft.com/office/mac/drawingml/2011/main" val="1"/>
             </a:ext>
           </a:extLst>
         </p:spPr>
@@ -11564,7 +11564,7 @@
           </a:ln>
           <a:extLst>
             <a:ext uri="{C572A759-6A51-4108-AA02-DFA0A04FC94B}">
-              <ma14:wrappingTextBoxFlag xmlns:ma14="http://schemas.microsoft.com/office/mac/drawingml/2011/main" xmlns="" val="1"/>
+              <ma14:wrappingTextBoxFlag xmlns="" xmlns:ma14="http://schemas.microsoft.com/office/mac/drawingml/2011/main" val="1"/>
             </a:ext>
           </a:extLst>
         </p:spPr>
@@ -11788,7 +11788,7 @@
             </a:ln>
             <a:extLst>
               <a:ext uri="{C572A759-6A51-4108-AA02-DFA0A04FC94B}">
-                <ma14:wrappingTextBoxFlag xmlns:ma14="http://schemas.microsoft.com/office/mac/drawingml/2011/main" xmlns="" val="1"/>
+                <ma14:wrappingTextBoxFlag xmlns="" xmlns:ma14="http://schemas.microsoft.com/office/mac/drawingml/2011/main" val="1"/>
               </a:ext>
             </a:extLst>
           </p:spPr>
@@ -11885,7 +11885,7 @@
             </a:ln>
             <a:extLst>
               <a:ext uri="{C572A759-6A51-4108-AA02-DFA0A04FC94B}">
-                <ma14:wrappingTextBoxFlag xmlns:ma14="http://schemas.microsoft.com/office/mac/drawingml/2011/main" xmlns="" val="1"/>
+                <ma14:wrappingTextBoxFlag xmlns="" xmlns:ma14="http://schemas.microsoft.com/office/mac/drawingml/2011/main" val="1"/>
               </a:ext>
             </a:extLst>
           </p:spPr>
@@ -12039,7 +12039,7 @@
             </a:ln>
             <a:extLst>
               <a:ext uri="{C572A759-6A51-4108-AA02-DFA0A04FC94B}">
-                <ma14:wrappingTextBoxFlag xmlns:ma14="http://schemas.microsoft.com/office/mac/drawingml/2011/main" xmlns="" val="1"/>
+                <ma14:wrappingTextBoxFlag xmlns="" xmlns:ma14="http://schemas.microsoft.com/office/mac/drawingml/2011/main" val="1"/>
               </a:ext>
             </a:extLst>
           </p:spPr>
@@ -12094,7 +12094,7 @@
             </a:ln>
             <a:extLst>
               <a:ext uri="{C572A759-6A51-4108-AA02-DFA0A04FC94B}">
-                <ma14:wrappingTextBoxFlag xmlns:ma14="http://schemas.microsoft.com/office/mac/drawingml/2011/main" xmlns="" val="1"/>
+                <ma14:wrappingTextBoxFlag xmlns="" xmlns:ma14="http://schemas.microsoft.com/office/mac/drawingml/2011/main" val="1"/>
               </a:ext>
             </a:extLst>
           </p:spPr>
@@ -12149,7 +12149,7 @@
             </a:ln>
             <a:extLst>
               <a:ext uri="{C572A759-6A51-4108-AA02-DFA0A04FC94B}">
-                <ma14:wrappingTextBoxFlag xmlns:ma14="http://schemas.microsoft.com/office/mac/drawingml/2011/main" xmlns="" val="1"/>
+                <ma14:wrappingTextBoxFlag xmlns="" xmlns:ma14="http://schemas.microsoft.com/office/mac/drawingml/2011/main" val="1"/>
               </a:ext>
             </a:extLst>
           </p:spPr>
@@ -12455,7 +12455,7 @@
             </a:ln>
             <a:extLst>
               <a:ext uri="{C572A759-6A51-4108-AA02-DFA0A04FC94B}">
-                <ma14:wrappingTextBoxFlag xmlns:ma14="http://schemas.microsoft.com/office/mac/drawingml/2011/main" xmlns="" val="1"/>
+                <ma14:wrappingTextBoxFlag xmlns="" xmlns:ma14="http://schemas.microsoft.com/office/mac/drawingml/2011/main" val="1"/>
               </a:ext>
             </a:extLst>
           </p:spPr>
@@ -12510,7 +12510,7 @@
             </a:ln>
             <a:extLst>
               <a:ext uri="{C572A759-6A51-4108-AA02-DFA0A04FC94B}">
-                <ma14:wrappingTextBoxFlag xmlns:ma14="http://schemas.microsoft.com/office/mac/drawingml/2011/main" xmlns="" val="1"/>
+                <ma14:wrappingTextBoxFlag xmlns="" xmlns:ma14="http://schemas.microsoft.com/office/mac/drawingml/2011/main" val="1"/>
               </a:ext>
             </a:extLst>
           </p:spPr>
@@ -12638,7 +12638,7 @@
             </a:ln>
             <a:extLst>
               <a:ext uri="{C572A759-6A51-4108-AA02-DFA0A04FC94B}">
-                <ma14:wrappingTextBoxFlag xmlns:ma14="http://schemas.microsoft.com/office/mac/drawingml/2011/main" xmlns="" val="1"/>
+                <ma14:wrappingTextBoxFlag xmlns="" xmlns:ma14="http://schemas.microsoft.com/office/mac/drawingml/2011/main" val="1"/>
               </a:ext>
             </a:extLst>
           </p:spPr>
@@ -12776,7 +12776,7 @@
             </a:ln>
             <a:extLst>
               <a:ext uri="{C572A759-6A51-4108-AA02-DFA0A04FC94B}">
-                <ma14:wrappingTextBoxFlag xmlns:ma14="http://schemas.microsoft.com/office/mac/drawingml/2011/main" xmlns="" val="1"/>
+                <ma14:wrappingTextBoxFlag xmlns="" xmlns:ma14="http://schemas.microsoft.com/office/mac/drawingml/2011/main" val="1"/>
               </a:ext>
             </a:extLst>
           </p:spPr>
@@ -12833,7 +12833,7 @@
             </a:ln>
             <a:extLst>
               <a:ext uri="{C572A759-6A51-4108-AA02-DFA0A04FC94B}">
-                <ma14:wrappingTextBoxFlag xmlns:ma14="http://schemas.microsoft.com/office/mac/drawingml/2011/main" xmlns="" val="1"/>
+                <ma14:wrappingTextBoxFlag xmlns="" xmlns:ma14="http://schemas.microsoft.com/office/mac/drawingml/2011/main" val="1"/>
               </a:ext>
             </a:extLst>
           </p:spPr>
@@ -12891,7 +12891,7 @@
           </a:ln>
           <a:extLst>
             <a:ext uri="{C572A759-6A51-4108-AA02-DFA0A04FC94B}">
-              <ma14:wrappingTextBoxFlag xmlns:ma14="http://schemas.microsoft.com/office/mac/drawingml/2011/main" xmlns="" val="1"/>
+              <ma14:wrappingTextBoxFlag xmlns="" xmlns:ma14="http://schemas.microsoft.com/office/mac/drawingml/2011/main" val="1"/>
             </a:ext>
           </a:extLst>
         </p:spPr>
@@ -12953,7 +12953,7 @@
           </a:ln>
           <a:extLst>
             <a:ext uri="{C572A759-6A51-4108-AA02-DFA0A04FC94B}">
-              <ma14:wrappingTextBoxFlag xmlns:ma14="http://schemas.microsoft.com/office/mac/drawingml/2011/main" xmlns="" val="1"/>
+              <ma14:wrappingTextBoxFlag xmlns="" xmlns:ma14="http://schemas.microsoft.com/office/mac/drawingml/2011/main" val="1"/>
             </a:ext>
           </a:extLst>
         </p:spPr>
@@ -13015,7 +13015,7 @@
           </a:ln>
           <a:extLst>
             <a:ext uri="{C572A759-6A51-4108-AA02-DFA0A04FC94B}">
-              <ma14:wrappingTextBoxFlag xmlns:ma14="http://schemas.microsoft.com/office/mac/drawingml/2011/main" xmlns="" val="1"/>
+              <ma14:wrappingTextBoxFlag xmlns="" xmlns:ma14="http://schemas.microsoft.com/office/mac/drawingml/2011/main" val="1"/>
             </a:ext>
           </a:extLst>
         </p:spPr>
@@ -13077,7 +13077,7 @@
           </a:ln>
           <a:extLst>
             <a:ext uri="{C572A759-6A51-4108-AA02-DFA0A04FC94B}">
-              <ma14:wrappingTextBoxFlag xmlns:ma14="http://schemas.microsoft.com/office/mac/drawingml/2011/main" xmlns="" val="1"/>
+              <ma14:wrappingTextBoxFlag xmlns="" xmlns:ma14="http://schemas.microsoft.com/office/mac/drawingml/2011/main" val="1"/>
             </a:ext>
           </a:extLst>
         </p:spPr>
@@ -13139,7 +13139,7 @@
           </a:ln>
           <a:extLst>
             <a:ext uri="{C572A759-6A51-4108-AA02-DFA0A04FC94B}">
-              <ma14:wrappingTextBoxFlag xmlns:ma14="http://schemas.microsoft.com/office/mac/drawingml/2011/main" xmlns="" val="1"/>
+              <ma14:wrappingTextBoxFlag xmlns="" xmlns:ma14="http://schemas.microsoft.com/office/mac/drawingml/2011/main" val="1"/>
             </a:ext>
           </a:extLst>
         </p:spPr>
@@ -13269,7 +13269,7 @@
             </a:ln>
             <a:extLst>
               <a:ext uri="{C572A759-6A51-4108-AA02-DFA0A04FC94B}">
-                <ma14:wrappingTextBoxFlag xmlns:ma14="http://schemas.microsoft.com/office/mac/drawingml/2011/main" xmlns="" val="1"/>
+                <ma14:wrappingTextBoxFlag xmlns="" xmlns:ma14="http://schemas.microsoft.com/office/mac/drawingml/2011/main" val="1"/>
               </a:ext>
             </a:extLst>
           </p:spPr>
@@ -13356,7 +13356,7 @@
             </a:ln>
             <a:extLst>
               <a:ext uri="{C572A759-6A51-4108-AA02-DFA0A04FC94B}">
-                <ma14:wrappingTextBoxFlag xmlns:ma14="http://schemas.microsoft.com/office/mac/drawingml/2011/main" xmlns="" val="1"/>
+                <ma14:wrappingTextBoxFlag xmlns="" xmlns:ma14="http://schemas.microsoft.com/office/mac/drawingml/2011/main" val="1"/>
               </a:ext>
             </a:extLst>
           </p:spPr>
@@ -13403,7 +13403,7 @@
             </a:ln>
             <a:extLst>
               <a:ext uri="{C572A759-6A51-4108-AA02-DFA0A04FC94B}">
-                <ma14:wrappingTextBoxFlag xmlns:ma14="http://schemas.microsoft.com/office/mac/drawingml/2011/main" xmlns="" val="1"/>
+                <ma14:wrappingTextBoxFlag xmlns="" xmlns:ma14="http://schemas.microsoft.com/office/mac/drawingml/2011/main" val="1"/>
               </a:ext>
             </a:extLst>
           </p:spPr>
@@ -13555,7 +13555,7 @@
             </a:ln>
             <a:extLst>
               <a:ext uri="{C572A759-6A51-4108-AA02-DFA0A04FC94B}">
-                <ma14:wrappingTextBoxFlag xmlns:ma14="http://schemas.microsoft.com/office/mac/drawingml/2011/main" xmlns="" val="1"/>
+                <ma14:wrappingTextBoxFlag xmlns="" xmlns:ma14="http://schemas.microsoft.com/office/mac/drawingml/2011/main" val="1"/>
               </a:ext>
             </a:extLst>
           </p:spPr>
@@ -13760,7 +13760,7 @@
             </a:ln>
             <a:extLst>
               <a:ext uri="{C572A759-6A51-4108-AA02-DFA0A04FC94B}">
-                <ma14:wrappingTextBoxFlag xmlns:ma14="http://schemas.microsoft.com/office/mac/drawingml/2011/main" xmlns="" val="1"/>
+                <ma14:wrappingTextBoxFlag xmlns="" xmlns:ma14="http://schemas.microsoft.com/office/mac/drawingml/2011/main" val="1"/>
               </a:ext>
             </a:extLst>
           </p:spPr>
@@ -13855,7 +13855,7 @@
             </a:ln>
             <a:extLst>
               <a:ext uri="{C572A759-6A51-4108-AA02-DFA0A04FC94B}">
-                <ma14:wrappingTextBoxFlag xmlns:ma14="http://schemas.microsoft.com/office/mac/drawingml/2011/main" xmlns="" val="1"/>
+                <ma14:wrappingTextBoxFlag xmlns="" xmlns:ma14="http://schemas.microsoft.com/office/mac/drawingml/2011/main" val="1"/>
               </a:ext>
             </a:extLst>
           </p:spPr>
@@ -13946,7 +13946,7 @@
             </a:ln>
             <a:extLst>
               <a:ext uri="{C572A759-6A51-4108-AA02-DFA0A04FC94B}">
-                <ma14:wrappingTextBoxFlag xmlns:ma14="http://schemas.microsoft.com/office/mac/drawingml/2011/main" xmlns="" val="1"/>
+                <ma14:wrappingTextBoxFlag xmlns="" xmlns:ma14="http://schemas.microsoft.com/office/mac/drawingml/2011/main" val="1"/>
               </a:ext>
             </a:extLst>
           </p:spPr>
@@ -14125,7 +14125,7 @@
             </a:ln>
             <a:extLst>
               <a:ext uri="{C572A759-6A51-4108-AA02-DFA0A04FC94B}">
-                <ma14:wrappingTextBoxFlag xmlns:ma14="http://schemas.microsoft.com/office/mac/drawingml/2011/main" xmlns="" val="1"/>
+                <ma14:wrappingTextBoxFlag xmlns="" xmlns:ma14="http://schemas.microsoft.com/office/mac/drawingml/2011/main" val="1"/>
               </a:ext>
             </a:extLst>
           </p:spPr>
